--- a/docs/전기프2_쁠쁠밸리_3주차.pptx
+++ b/docs/전기프2_쁠쁠밸리_3주차.pptx
@@ -16,8 +16,11 @@
     <p:sldId id="314" r:id="rId10"/>
     <p:sldId id="315" r:id="rId11"/>
     <p:sldId id="316" r:id="rId12"/>
-    <p:sldId id="287" r:id="rId13"/>
-    <p:sldId id="302" r:id="rId14"/>
+    <p:sldId id="317" r:id="rId13"/>
+    <p:sldId id="318" r:id="rId14"/>
+    <p:sldId id="319" r:id="rId15"/>
+    <p:sldId id="287" r:id="rId16"/>
+    <p:sldId id="302" r:id="rId17"/>
   </p:sldIdLst>
   <p:sldSz cx="12192000" cy="6858000"/>
   <p:notesSz cx="6858000" cy="9144000"/>
@@ -283,7 +286,7 @@
             <a:fld id="{C835A31B-3310-4D1A-9032-E31AE5C76220}" type="datetimeFigureOut">
               <a:rPr lang="ko-KR" altLang="en-US" smtClean="0"/>
               <a:pPr/>
-              <a:t>2019-06-03</a:t>
+              <a:t>2019-06-04</a:t>
             </a:fld>
             <a:endParaRPr lang="ko-KR" altLang="en-US"/>
           </a:p>
@@ -483,7 +486,7 @@
             <a:fld id="{C835A31B-3310-4D1A-9032-E31AE5C76220}" type="datetimeFigureOut">
               <a:rPr lang="ko-KR" altLang="en-US" smtClean="0"/>
               <a:pPr/>
-              <a:t>2019-06-03</a:t>
+              <a:t>2019-06-04</a:t>
             </a:fld>
             <a:endParaRPr lang="ko-KR" altLang="en-US"/>
           </a:p>
@@ -693,7 +696,7 @@
             <a:fld id="{C835A31B-3310-4D1A-9032-E31AE5C76220}" type="datetimeFigureOut">
               <a:rPr lang="ko-KR" altLang="en-US" smtClean="0"/>
               <a:pPr/>
-              <a:t>2019-06-03</a:t>
+              <a:t>2019-06-04</a:t>
             </a:fld>
             <a:endParaRPr lang="ko-KR" altLang="en-US"/>
           </a:p>
@@ -893,7 +896,7 @@
             <a:fld id="{C835A31B-3310-4D1A-9032-E31AE5C76220}" type="datetimeFigureOut">
               <a:rPr lang="ko-KR" altLang="en-US" smtClean="0"/>
               <a:pPr/>
-              <a:t>2019-06-03</a:t>
+              <a:t>2019-06-04</a:t>
             </a:fld>
             <a:endParaRPr lang="ko-KR" altLang="en-US"/>
           </a:p>
@@ -1170,7 +1173,7 @@
             <a:fld id="{C835A31B-3310-4D1A-9032-E31AE5C76220}" type="datetimeFigureOut">
               <a:rPr lang="ko-KR" altLang="en-US" smtClean="0"/>
               <a:pPr/>
-              <a:t>2019-06-03</a:t>
+              <a:t>2019-06-04</a:t>
             </a:fld>
             <a:endParaRPr lang="ko-KR" altLang="en-US"/>
           </a:p>
@@ -1437,7 +1440,7 @@
             <a:fld id="{C835A31B-3310-4D1A-9032-E31AE5C76220}" type="datetimeFigureOut">
               <a:rPr lang="ko-KR" altLang="en-US" smtClean="0"/>
               <a:pPr/>
-              <a:t>2019-06-03</a:t>
+              <a:t>2019-06-04</a:t>
             </a:fld>
             <a:endParaRPr lang="ko-KR" altLang="en-US"/>
           </a:p>
@@ -1851,7 +1854,7 @@
             <a:fld id="{C835A31B-3310-4D1A-9032-E31AE5C76220}" type="datetimeFigureOut">
               <a:rPr lang="ko-KR" altLang="en-US" smtClean="0"/>
               <a:pPr/>
-              <a:t>2019-06-03</a:t>
+              <a:t>2019-06-04</a:t>
             </a:fld>
             <a:endParaRPr lang="ko-KR" altLang="en-US"/>
           </a:p>
@@ -1994,7 +1997,7 @@
             <a:fld id="{C835A31B-3310-4D1A-9032-E31AE5C76220}" type="datetimeFigureOut">
               <a:rPr lang="ko-KR" altLang="en-US" smtClean="0"/>
               <a:pPr/>
-              <a:t>2019-06-03</a:t>
+              <a:t>2019-06-04</a:t>
             </a:fld>
             <a:endParaRPr lang="ko-KR" altLang="en-US"/>
           </a:p>
@@ -2109,7 +2112,7 @@
             <a:fld id="{C835A31B-3310-4D1A-9032-E31AE5C76220}" type="datetimeFigureOut">
               <a:rPr lang="ko-KR" altLang="en-US" smtClean="0"/>
               <a:pPr/>
-              <a:t>2019-06-03</a:t>
+              <a:t>2019-06-04</a:t>
             </a:fld>
             <a:endParaRPr lang="ko-KR" altLang="en-US"/>
           </a:p>
@@ -2422,7 +2425,7 @@
             <a:fld id="{C835A31B-3310-4D1A-9032-E31AE5C76220}" type="datetimeFigureOut">
               <a:rPr lang="ko-KR" altLang="en-US" smtClean="0"/>
               <a:pPr/>
-              <a:t>2019-06-03</a:t>
+              <a:t>2019-06-04</a:t>
             </a:fld>
             <a:endParaRPr lang="ko-KR" altLang="en-US"/>
           </a:p>
@@ -2712,7 +2715,7 @@
             <a:fld id="{C835A31B-3310-4D1A-9032-E31AE5C76220}" type="datetimeFigureOut">
               <a:rPr lang="ko-KR" altLang="en-US" smtClean="0"/>
               <a:pPr/>
-              <a:t>2019-06-03</a:t>
+              <a:t>2019-06-04</a:t>
             </a:fld>
             <a:endParaRPr lang="ko-KR" altLang="en-US"/>
           </a:p>
@@ -2955,7 +2958,7 @@
             <a:fld id="{C835A31B-3310-4D1A-9032-E31AE5C76220}" type="datetimeFigureOut">
               <a:rPr lang="ko-KR" altLang="en-US" smtClean="0"/>
               <a:pPr/>
-              <a:t>2019-06-03</a:t>
+              <a:t>2019-06-04</a:t>
             </a:fld>
             <a:endParaRPr lang="ko-KR" altLang="en-US"/>
           </a:p>
@@ -5860,6 +5863,152 @@
           </a:fontRef>
         </p:style>
       </p:cxnSp>
+      <p:pic>
+        <p:nvPicPr>
+          <p:cNvPr id="3" name="그림 2">
+            <a:extLst>
+              <a:ext uri="{FF2B5EF4-FFF2-40B4-BE49-F238E27FC236}">
+                <a16:creationId xmlns:a16="http://schemas.microsoft.com/office/drawing/2014/main" id="{4A9CC42F-D9BC-45E2-9EA7-833A32FD9668}"/>
+              </a:ext>
+            </a:extLst>
+          </p:cNvPr>
+          <p:cNvPicPr>
+            <a:picLocks noChangeAspect="1"/>
+          </p:cNvPicPr>
+          <p:nvPr/>
+        </p:nvPicPr>
+        <p:blipFill>
+          <a:blip r:embed="rId2">
+            <a:extLst>
+              <a:ext uri="{28A0092B-C50C-407E-A947-70E740481C1C}">
+                <a14:useLocalDpi xmlns:a14="http://schemas.microsoft.com/office/drawing/2010/main" val="0"/>
+              </a:ext>
+            </a:extLst>
+          </a:blip>
+          <a:srcRect/>
+          <a:stretch/>
+        </p:blipFill>
+        <p:spPr>
+          <a:xfrm>
+            <a:off x="235721" y="2162543"/>
+            <a:ext cx="5899317" cy="4241846"/>
+          </a:xfrm>
+          <a:prstGeom prst="rect">
+            <a:avLst/>
+          </a:prstGeom>
+        </p:spPr>
+      </p:pic>
+      <p:sp>
+        <p:nvSpPr>
+          <p:cNvPr id="12" name="TextBox 11">
+            <a:extLst>
+              <a:ext uri="{FF2B5EF4-FFF2-40B4-BE49-F238E27FC236}">
+                <a16:creationId xmlns:a16="http://schemas.microsoft.com/office/drawing/2014/main" id="{84B16F2B-89CC-454D-8972-AD8CD0ED7E68}"/>
+              </a:ext>
+            </a:extLst>
+          </p:cNvPr>
+          <p:cNvSpPr txBox="1"/>
+          <p:nvPr/>
+        </p:nvSpPr>
+        <p:spPr>
+          <a:xfrm>
+            <a:off x="6638387" y="2559710"/>
+            <a:ext cx="5275183" cy="2554545"/>
+          </a:xfrm>
+          <a:prstGeom prst="rect">
+            <a:avLst/>
+          </a:prstGeom>
+          <a:noFill/>
+        </p:spPr>
+        <p:txBody>
+          <a:bodyPr wrap="square" rtlCol="0">
+            <a:spAutoFit/>
+          </a:bodyPr>
+          <a:lstStyle/>
+          <a:p>
+            <a:r>
+              <a:rPr lang="en-US" altLang="ko-KR" sz="2000" dirty="0"/>
+              <a:t>Window Form</a:t>
+            </a:r>
+            <a:r>
+              <a:rPr lang="ko-KR" altLang="en-US" sz="2000" dirty="0"/>
+              <a:t>을 이용하여 </a:t>
+            </a:r>
+            <a:r>
+              <a:rPr lang="en-US" altLang="ko-KR" sz="2000" dirty="0"/>
+              <a:t>GUI </a:t>
+            </a:r>
+            <a:r>
+              <a:rPr lang="ko-KR" altLang="en-US" sz="2000" dirty="0"/>
+              <a:t>구현</a:t>
+            </a:r>
+            <a:endParaRPr lang="en-US" altLang="ko-KR" sz="2000" dirty="0"/>
+          </a:p>
+          <a:p>
+            <a:endParaRPr lang="en-US" altLang="ko-KR" sz="2000" dirty="0"/>
+          </a:p>
+          <a:p>
+            <a:pPr marL="342900" indent="-342900">
+              <a:buFontTx/>
+              <a:buChar char="-"/>
+            </a:pPr>
+            <a:r>
+              <a:rPr lang="ko-KR" altLang="en-US" sz="2000" dirty="0"/>
+              <a:t>초기화면에서 사용자 이름을 입력 받음</a:t>
+            </a:r>
+            <a:endParaRPr lang="en-US" altLang="ko-KR" sz="2000" dirty="0"/>
+          </a:p>
+          <a:p>
+            <a:pPr marL="342900" indent="-342900">
+              <a:buFontTx/>
+              <a:buChar char="-"/>
+            </a:pPr>
+            <a:endParaRPr lang="en-US" altLang="ko-KR" sz="2000" dirty="0"/>
+          </a:p>
+          <a:p>
+            <a:pPr marL="342900" indent="-342900">
+              <a:buFontTx/>
+              <a:buChar char="-"/>
+            </a:pPr>
+            <a:r>
+              <a:rPr lang="ko-KR" altLang="en-US" sz="2000" dirty="0"/>
+              <a:t>입력 후 </a:t>
+            </a:r>
+            <a:r>
+              <a:rPr lang="en-US" altLang="ko-KR" sz="2000" dirty="0"/>
+              <a:t>Start</a:t>
+            </a:r>
+            <a:r>
+              <a:rPr lang="ko-KR" altLang="en-US" sz="2000" dirty="0"/>
+              <a:t>를 누르면 입력 재확인을 하고 </a:t>
+            </a:r>
+            <a:r>
+              <a:rPr lang="en-US" altLang="ko-KR" sz="2000" dirty="0"/>
+              <a:t>“</a:t>
+            </a:r>
+            <a:r>
+              <a:rPr lang="ko-KR" altLang="en-US" sz="2000" dirty="0"/>
+              <a:t>예</a:t>
+            </a:r>
+            <a:r>
+              <a:rPr lang="en-US" altLang="ko-KR" sz="2000" dirty="0"/>
+              <a:t>”</a:t>
+            </a:r>
+            <a:r>
+              <a:rPr lang="ko-KR" altLang="en-US" sz="2000" dirty="0"/>
+              <a:t>를 누를 경우 게임이 실행되고 맵 화면으로 </a:t>
+            </a:r>
+            <a:r>
+              <a:rPr lang="ko-KR" altLang="en-US" sz="2000" dirty="0" err="1"/>
+              <a:t>넘어감</a:t>
+            </a:r>
+            <a:endParaRPr lang="en-US" altLang="ko-KR" sz="2000" dirty="0"/>
+          </a:p>
+          <a:p>
+            <a:endParaRPr lang="en-US" altLang="ko-KR" sz="2000" dirty="0"/>
+          </a:p>
+        </p:txBody>
+      </p:sp>
     </p:spTree>
     <p:extLst>
       <p:ext uri="{BB962C8B-B14F-4D97-AF65-F5344CB8AC3E}">
@@ -5874,6 +6023,1528 @@
 </file>
 
 <file path=ppt/slides/slide12.xml><?xml version="1.0" encoding="utf-8"?>
+<p:sld xmlns:a="http://schemas.openxmlformats.org/drawingml/2006/main" xmlns:r="http://schemas.openxmlformats.org/officeDocument/2006/relationships" xmlns:p="http://schemas.openxmlformats.org/presentationml/2006/main">
+  <p:cSld>
+    <p:spTree>
+      <p:nvGrpSpPr>
+        <p:cNvPr id="1" name=""/>
+        <p:cNvGrpSpPr/>
+        <p:nvPr/>
+      </p:nvGrpSpPr>
+      <p:grpSpPr>
+        <a:xfrm>
+          <a:off x="0" y="0"/>
+          <a:ext cx="0" cy="0"/>
+          <a:chOff x="0" y="0"/>
+          <a:chExt cx="0" cy="0"/>
+        </a:xfrm>
+      </p:grpSpPr>
+      <p:sp>
+        <p:nvSpPr>
+          <p:cNvPr id="4" name="직사각형 3">
+            <a:extLst>
+              <a:ext uri="{FF2B5EF4-FFF2-40B4-BE49-F238E27FC236}">
+                <a16:creationId xmlns:a16="http://schemas.microsoft.com/office/drawing/2014/main" id="{FE483315-6421-4AF3-B26D-D5BA89E6CA0C}"/>
+              </a:ext>
+            </a:extLst>
+          </p:cNvPr>
+          <p:cNvSpPr/>
+          <p:nvPr/>
+        </p:nvSpPr>
+        <p:spPr>
+          <a:xfrm>
+            <a:off x="0" y="1088207"/>
+            <a:ext cx="12192000" cy="800103"/>
+          </a:xfrm>
+          <a:prstGeom prst="rect">
+            <a:avLst/>
+          </a:prstGeom>
+          <a:solidFill>
+            <a:srgbClr val="F9A001"/>
+          </a:solidFill>
+          <a:ln>
+            <a:noFill/>
+          </a:ln>
+        </p:spPr>
+        <p:style>
+          <a:lnRef idx="2">
+            <a:schemeClr val="accent1">
+              <a:shade val="50000"/>
+            </a:schemeClr>
+          </a:lnRef>
+          <a:fillRef idx="1">
+            <a:schemeClr val="accent1"/>
+          </a:fillRef>
+          <a:effectRef idx="0">
+            <a:schemeClr val="accent1"/>
+          </a:effectRef>
+          <a:fontRef idx="minor">
+            <a:schemeClr val="lt1"/>
+          </a:fontRef>
+        </p:style>
+        <p:txBody>
+          <a:bodyPr rtlCol="0" anchor="ctr"/>
+          <a:lstStyle/>
+          <a:p>
+            <a:pPr algn="ctr"/>
+            <a:endParaRPr lang="ko-KR" altLang="en-US" dirty="0"/>
+          </a:p>
+        </p:txBody>
+      </p:sp>
+      <p:sp>
+        <p:nvSpPr>
+          <p:cNvPr id="9" name="TextBox 8">
+            <a:extLst>
+              <a:ext uri="{FF2B5EF4-FFF2-40B4-BE49-F238E27FC236}">
+                <a16:creationId xmlns:a16="http://schemas.microsoft.com/office/drawing/2014/main" id="{CED07928-F43B-41D3-91E2-9FA98C5E1688}"/>
+              </a:ext>
+            </a:extLst>
+          </p:cNvPr>
+          <p:cNvSpPr txBox="1"/>
+          <p:nvPr/>
+        </p:nvSpPr>
+        <p:spPr>
+          <a:xfrm>
+            <a:off x="776787" y="109030"/>
+            <a:ext cx="428322" cy="307777"/>
+          </a:xfrm>
+          <a:prstGeom prst="rect">
+            <a:avLst/>
+          </a:prstGeom>
+          <a:noFill/>
+        </p:spPr>
+        <p:txBody>
+          <a:bodyPr wrap="none" rtlCol="0">
+            <a:spAutoFit/>
+          </a:bodyPr>
+          <a:lstStyle/>
+          <a:p>
+            <a:pPr algn="ctr"/>
+            <a:r>
+              <a:rPr lang="en-US" altLang="ko-KR" sz="1400" spc="-150" dirty="0">
+                <a:ln>
+                  <a:solidFill>
+                    <a:schemeClr val="accent1">
+                      <a:alpha val="0"/>
+                    </a:schemeClr>
+                  </a:solidFill>
+                </a:ln>
+                <a:solidFill>
+                  <a:schemeClr val="accent1"/>
+                </a:solidFill>
+                <a:latin typeface="Noto Sans CJK KR Bold" panose="020B0800000000000000" pitchFamily="34" charset="-127"/>
+                <a:ea typeface="Noto Sans CJK KR Bold" panose="020B0800000000000000" pitchFamily="34" charset="-127"/>
+              </a:rPr>
+              <a:t>GUI</a:t>
+            </a:r>
+          </a:p>
+        </p:txBody>
+      </p:sp>
+      <p:sp>
+        <p:nvSpPr>
+          <p:cNvPr id="10" name="TextBox 9">
+            <a:extLst>
+              <a:ext uri="{FF2B5EF4-FFF2-40B4-BE49-F238E27FC236}">
+                <a16:creationId xmlns:a16="http://schemas.microsoft.com/office/drawing/2014/main" id="{48698CC2-BC68-4E65-9095-9B971AE42A7B}"/>
+              </a:ext>
+            </a:extLst>
+          </p:cNvPr>
+          <p:cNvSpPr txBox="1"/>
+          <p:nvPr/>
+        </p:nvSpPr>
+        <p:spPr>
+          <a:xfrm>
+            <a:off x="185203" y="1195870"/>
+            <a:ext cx="3547766" cy="584775"/>
+          </a:xfrm>
+          <a:prstGeom prst="rect">
+            <a:avLst/>
+          </a:prstGeom>
+          <a:noFill/>
+        </p:spPr>
+        <p:txBody>
+          <a:bodyPr wrap="none" rtlCol="0">
+            <a:spAutoFit/>
+          </a:bodyPr>
+          <a:lstStyle/>
+          <a:p>
+            <a:r>
+              <a:rPr lang="en-US" altLang="ko-KR" sz="3200" spc="-150" dirty="0">
+                <a:solidFill>
+                  <a:schemeClr val="bg2">
+                    <a:lumMod val="25000"/>
+                  </a:schemeClr>
+                </a:solidFill>
+                <a:latin typeface="고도 B" panose="02000503000000020004" pitchFamily="2" charset="-127"/>
+                <a:ea typeface="고도 B" panose="02000503000000020004" pitchFamily="2" charset="-127"/>
+              </a:rPr>
+              <a:t>GUI – </a:t>
+            </a:r>
+            <a:r>
+              <a:rPr lang="ko-KR" altLang="en-US" sz="3200" spc="-150" dirty="0">
+                <a:solidFill>
+                  <a:schemeClr val="bg2">
+                    <a:lumMod val="25000"/>
+                  </a:schemeClr>
+                </a:solidFill>
+                <a:latin typeface="고도 B" panose="02000503000000020004" pitchFamily="2" charset="-127"/>
+                <a:ea typeface="고도 B" panose="02000503000000020004" pitchFamily="2" charset="-127"/>
+              </a:rPr>
+              <a:t>게임화면</a:t>
+            </a:r>
+            <a:r>
+              <a:rPr lang="en-US" altLang="ko-KR" sz="3200" spc="-150" dirty="0">
+                <a:solidFill>
+                  <a:schemeClr val="bg2">
+                    <a:lumMod val="25000"/>
+                  </a:schemeClr>
+                </a:solidFill>
+                <a:latin typeface="고도 B" panose="02000503000000020004" pitchFamily="2" charset="-127"/>
+                <a:ea typeface="고도 B" panose="02000503000000020004" pitchFamily="2" charset="-127"/>
+              </a:rPr>
+              <a:t> (</a:t>
+            </a:r>
+            <a:r>
+              <a:rPr lang="ko-KR" altLang="en-US" sz="3200" spc="-150" dirty="0">
+                <a:solidFill>
+                  <a:schemeClr val="bg2">
+                    <a:lumMod val="25000"/>
+                  </a:schemeClr>
+                </a:solidFill>
+                <a:latin typeface="고도 B" panose="02000503000000020004" pitchFamily="2" charset="-127"/>
+                <a:ea typeface="고도 B" panose="02000503000000020004" pitchFamily="2" charset="-127"/>
+              </a:rPr>
+              <a:t>맵</a:t>
+            </a:r>
+            <a:r>
+              <a:rPr lang="en-US" altLang="ko-KR" sz="3200" spc="-150" dirty="0">
+                <a:solidFill>
+                  <a:schemeClr val="bg2">
+                    <a:lumMod val="25000"/>
+                  </a:schemeClr>
+                </a:solidFill>
+                <a:latin typeface="고도 B" panose="02000503000000020004" pitchFamily="2" charset="-127"/>
+                <a:ea typeface="고도 B" panose="02000503000000020004" pitchFamily="2" charset="-127"/>
+              </a:rPr>
+              <a:t>)</a:t>
+            </a:r>
+            <a:endParaRPr lang="ko-KR" altLang="en-US" sz="3200" spc="-150" dirty="0">
+              <a:solidFill>
+                <a:schemeClr val="bg2">
+                  <a:lumMod val="25000"/>
+                </a:schemeClr>
+              </a:solidFill>
+              <a:latin typeface="고도 B" panose="02000503000000020004" pitchFamily="2" charset="-127"/>
+              <a:ea typeface="고도 B" panose="02000503000000020004" pitchFamily="2" charset="-127"/>
+            </a:endParaRPr>
+          </a:p>
+        </p:txBody>
+      </p:sp>
+      <p:sp>
+        <p:nvSpPr>
+          <p:cNvPr id="7" name="TextBox 6">
+            <a:extLst>
+              <a:ext uri="{FF2B5EF4-FFF2-40B4-BE49-F238E27FC236}">
+                <a16:creationId xmlns:a16="http://schemas.microsoft.com/office/drawing/2014/main" id="{A5F46E98-F701-49B9-93CD-BA7A25B54242}"/>
+              </a:ext>
+            </a:extLst>
+          </p:cNvPr>
+          <p:cNvSpPr txBox="1"/>
+          <p:nvPr/>
+        </p:nvSpPr>
+        <p:spPr>
+          <a:xfrm>
+            <a:off x="69542" y="109030"/>
+            <a:ext cx="707245" cy="307777"/>
+          </a:xfrm>
+          <a:prstGeom prst="rect">
+            <a:avLst/>
+          </a:prstGeom>
+          <a:solidFill>
+            <a:schemeClr val="accent1"/>
+          </a:solidFill>
+        </p:spPr>
+        <p:txBody>
+          <a:bodyPr wrap="none" rtlCol="0">
+            <a:spAutoFit/>
+          </a:bodyPr>
+          <a:lstStyle/>
+          <a:p>
+            <a:pPr algn="ctr"/>
+            <a:r>
+              <a:rPr lang="en-US" altLang="ko-KR" sz="1400" spc="-150" dirty="0">
+                <a:ln>
+                  <a:solidFill>
+                    <a:schemeClr val="accent1">
+                      <a:alpha val="0"/>
+                    </a:schemeClr>
+                  </a:solidFill>
+                </a:ln>
+                <a:solidFill>
+                  <a:schemeClr val="bg1"/>
+                </a:solidFill>
+                <a:latin typeface="Noto Sans CJK KR Bold" panose="020B0800000000000000" pitchFamily="34" charset="-127"/>
+                <a:ea typeface="Noto Sans CJK KR Bold" panose="020B0800000000000000" pitchFamily="34" charset="-127"/>
+              </a:rPr>
+              <a:t>*</a:t>
+            </a:r>
+            <a:r>
+              <a:rPr lang="ko-KR" altLang="en-US" sz="1400" spc="-150" dirty="0">
+                <a:ln>
+                  <a:solidFill>
+                    <a:schemeClr val="accent1">
+                      <a:alpha val="0"/>
+                    </a:schemeClr>
+                  </a:solidFill>
+                </a:ln>
+                <a:solidFill>
+                  <a:schemeClr val="bg1"/>
+                </a:solidFill>
+                <a:latin typeface="Noto Sans CJK KR Bold" panose="020B0800000000000000" pitchFamily="34" charset="-127"/>
+                <a:ea typeface="Noto Sans CJK KR Bold" panose="020B0800000000000000" pitchFamily="34" charset="-127"/>
+              </a:rPr>
+              <a:t> </a:t>
+            </a:r>
+            <a:r>
+              <a:rPr lang="ko-KR" altLang="en-US" sz="1400" spc="-150" dirty="0" err="1">
+                <a:ln>
+                  <a:solidFill>
+                    <a:schemeClr val="accent1">
+                      <a:alpha val="0"/>
+                    </a:schemeClr>
+                  </a:solidFill>
+                </a:ln>
+                <a:solidFill>
+                  <a:schemeClr val="bg1"/>
+                </a:solidFill>
+                <a:latin typeface="Noto Sans CJK KR Bold" panose="020B0800000000000000" pitchFamily="34" charset="-127"/>
+                <a:ea typeface="Noto Sans CJK KR Bold" panose="020B0800000000000000" pitchFamily="34" charset="-127"/>
+              </a:rPr>
+              <a:t>쁠쁠</a:t>
+            </a:r>
+            <a:r>
+              <a:rPr lang="ko-KR" altLang="en-US" sz="1400" spc="-150" dirty="0">
+                <a:ln>
+                  <a:solidFill>
+                    <a:schemeClr val="accent1">
+                      <a:alpha val="0"/>
+                    </a:schemeClr>
+                  </a:solidFill>
+                </a:ln>
+                <a:solidFill>
+                  <a:schemeClr val="bg1"/>
+                </a:solidFill>
+                <a:latin typeface="Noto Sans CJK KR Bold" panose="020B0800000000000000" pitchFamily="34" charset="-127"/>
+                <a:ea typeface="Noto Sans CJK KR Bold" panose="020B0800000000000000" pitchFamily="34" charset="-127"/>
+              </a:rPr>
+              <a:t> </a:t>
+            </a:r>
+            <a:r>
+              <a:rPr lang="en-US" altLang="ko-KR" sz="1400" spc="-150" dirty="0">
+                <a:ln>
+                  <a:solidFill>
+                    <a:schemeClr val="accent1">
+                      <a:alpha val="0"/>
+                    </a:schemeClr>
+                  </a:solidFill>
+                </a:ln>
+                <a:solidFill>
+                  <a:schemeClr val="bg1"/>
+                </a:solidFill>
+                <a:latin typeface="Noto Sans CJK KR Bold" panose="020B0800000000000000" pitchFamily="34" charset="-127"/>
+                <a:ea typeface="Noto Sans CJK KR Bold" panose="020B0800000000000000" pitchFamily="34" charset="-127"/>
+              </a:rPr>
+              <a:t>*</a:t>
+            </a:r>
+            <a:endParaRPr lang="ko-KR" altLang="en-US" sz="1400" spc="-150" dirty="0">
+              <a:ln>
+                <a:solidFill>
+                  <a:schemeClr val="accent1">
+                    <a:alpha val="0"/>
+                  </a:schemeClr>
+                </a:solidFill>
+              </a:ln>
+              <a:solidFill>
+                <a:schemeClr val="bg1"/>
+              </a:solidFill>
+              <a:latin typeface="Noto Sans CJK KR Bold" panose="020B0800000000000000" pitchFamily="34" charset="-127"/>
+              <a:ea typeface="Noto Sans CJK KR Bold" panose="020B0800000000000000" pitchFamily="34" charset="-127"/>
+            </a:endParaRPr>
+          </a:p>
+        </p:txBody>
+      </p:sp>
+      <p:cxnSp>
+        <p:nvCxnSpPr>
+          <p:cNvPr id="11" name="직선 연결선 10">
+            <a:extLst>
+              <a:ext uri="{FF2B5EF4-FFF2-40B4-BE49-F238E27FC236}">
+                <a16:creationId xmlns:a16="http://schemas.microsoft.com/office/drawing/2014/main" id="{521B3F88-14F1-43EA-8BEC-B10A6ED176A7}"/>
+              </a:ext>
+            </a:extLst>
+          </p:cNvPr>
+          <p:cNvCxnSpPr>
+            <a:cxnSpLocks/>
+          </p:cNvCxnSpPr>
+          <p:nvPr/>
+        </p:nvCxnSpPr>
+        <p:spPr>
+          <a:xfrm>
+            <a:off x="6315793" y="2162543"/>
+            <a:ext cx="33786" cy="4241846"/>
+          </a:xfrm>
+          <a:prstGeom prst="line">
+            <a:avLst/>
+          </a:prstGeom>
+          <a:ln w="22225">
+            <a:solidFill>
+              <a:srgbClr val="F9A001"/>
+            </a:solidFill>
+            <a:prstDash val="sysDash"/>
+          </a:ln>
+        </p:spPr>
+        <p:style>
+          <a:lnRef idx="1">
+            <a:schemeClr val="accent1"/>
+          </a:lnRef>
+          <a:fillRef idx="0">
+            <a:schemeClr val="accent1"/>
+          </a:fillRef>
+          <a:effectRef idx="0">
+            <a:schemeClr val="accent1"/>
+          </a:effectRef>
+          <a:fontRef idx="minor">
+            <a:schemeClr val="tx1"/>
+          </a:fontRef>
+        </p:style>
+      </p:cxnSp>
+      <p:pic>
+        <p:nvPicPr>
+          <p:cNvPr id="3" name="그림 2">
+            <a:extLst>
+              <a:ext uri="{FF2B5EF4-FFF2-40B4-BE49-F238E27FC236}">
+                <a16:creationId xmlns:a16="http://schemas.microsoft.com/office/drawing/2014/main" id="{4A9CC42F-D9BC-45E2-9EA7-833A32FD9668}"/>
+              </a:ext>
+            </a:extLst>
+          </p:cNvPr>
+          <p:cNvPicPr>
+            <a:picLocks noChangeAspect="1"/>
+          </p:cNvPicPr>
+          <p:nvPr/>
+        </p:nvPicPr>
+        <p:blipFill>
+          <a:blip r:embed="rId2">
+            <a:extLst>
+              <a:ext uri="{28A0092B-C50C-407E-A947-70E740481C1C}">
+                <a14:useLocalDpi xmlns:a14="http://schemas.microsoft.com/office/drawing/2010/main" val="0"/>
+              </a:ext>
+            </a:extLst>
+          </a:blip>
+          <a:srcRect/>
+          <a:stretch/>
+        </p:blipFill>
+        <p:spPr>
+          <a:xfrm>
+            <a:off x="235721" y="2328801"/>
+            <a:ext cx="5899317" cy="3955762"/>
+          </a:xfrm>
+          <a:prstGeom prst="rect">
+            <a:avLst/>
+          </a:prstGeom>
+        </p:spPr>
+      </p:pic>
+      <p:sp>
+        <p:nvSpPr>
+          <p:cNvPr id="12" name="TextBox 11">
+            <a:extLst>
+              <a:ext uri="{FF2B5EF4-FFF2-40B4-BE49-F238E27FC236}">
+                <a16:creationId xmlns:a16="http://schemas.microsoft.com/office/drawing/2014/main" id="{84B16F2B-89CC-454D-8972-AD8CD0ED7E68}"/>
+              </a:ext>
+            </a:extLst>
+          </p:cNvPr>
+          <p:cNvSpPr txBox="1"/>
+          <p:nvPr/>
+        </p:nvSpPr>
+        <p:spPr>
+          <a:xfrm>
+            <a:off x="6638387" y="2559710"/>
+            <a:ext cx="5275183" cy="2246769"/>
+          </a:xfrm>
+          <a:prstGeom prst="rect">
+            <a:avLst/>
+          </a:prstGeom>
+          <a:noFill/>
+        </p:spPr>
+        <p:txBody>
+          <a:bodyPr wrap="square" rtlCol="0">
+            <a:spAutoFit/>
+          </a:bodyPr>
+          <a:lstStyle/>
+          <a:p>
+            <a:r>
+              <a:rPr lang="ko-KR" altLang="en-US" sz="2000" dirty="0"/>
+              <a:t>대략적인 맵 화면 </a:t>
+            </a:r>
+            <a:r>
+              <a:rPr lang="en-US" altLang="ko-KR" sz="2000" dirty="0"/>
+              <a:t>(</a:t>
+            </a:r>
+            <a:r>
+              <a:rPr lang="ko-KR" altLang="en-US" sz="2000" dirty="0"/>
+              <a:t>수정 중</a:t>
+            </a:r>
+            <a:r>
+              <a:rPr lang="en-US" altLang="ko-KR" sz="2000" dirty="0"/>
+              <a:t>)</a:t>
+            </a:r>
+          </a:p>
+          <a:p>
+            <a:endParaRPr lang="en-US" altLang="ko-KR" sz="2000" dirty="0"/>
+          </a:p>
+          <a:p>
+            <a:pPr marL="342900" indent="-342900">
+              <a:buFontTx/>
+              <a:buChar char="-"/>
+            </a:pPr>
+            <a:r>
+              <a:rPr lang="ko-KR" altLang="en-US" sz="2000" dirty="0"/>
+              <a:t>오브젝트와 만났을 때 캐릭터의 얼굴 방향에 따라 행동을 다르게 설정할 예정</a:t>
+            </a:r>
+            <a:endParaRPr lang="en-US" altLang="ko-KR" sz="2000" dirty="0"/>
+          </a:p>
+          <a:p>
+            <a:pPr marL="342900" indent="-342900">
+              <a:buFontTx/>
+              <a:buChar char="-"/>
+            </a:pPr>
+            <a:endParaRPr lang="en-US" altLang="ko-KR" sz="2000" dirty="0"/>
+          </a:p>
+          <a:p>
+            <a:pPr marL="342900" indent="-342900">
+              <a:buFontTx/>
+              <a:buChar char="-"/>
+            </a:pPr>
+            <a:r>
+              <a:rPr lang="ko-KR" altLang="en-US" sz="2000" dirty="0"/>
+              <a:t>플레이어의 집 타일에 닿으면 밤 화면이 뜨면서 하루가 지나가도록 설정</a:t>
+            </a:r>
+            <a:endParaRPr lang="en-US" altLang="ko-KR" sz="2000" dirty="0"/>
+          </a:p>
+        </p:txBody>
+      </p:sp>
+    </p:spTree>
+    <p:extLst>
+      <p:ext uri="{BB962C8B-B14F-4D97-AF65-F5344CB8AC3E}">
+        <p14:creationId xmlns:p14="http://schemas.microsoft.com/office/powerpoint/2010/main" val="654103496"/>
+      </p:ext>
+    </p:extLst>
+  </p:cSld>
+  <p:clrMapOvr>
+    <a:masterClrMapping/>
+  </p:clrMapOvr>
+</p:sld>
+</file>
+
+<file path=ppt/slides/slide13.xml><?xml version="1.0" encoding="utf-8"?>
+<p:sld xmlns:a="http://schemas.openxmlformats.org/drawingml/2006/main" xmlns:r="http://schemas.openxmlformats.org/officeDocument/2006/relationships" xmlns:p="http://schemas.openxmlformats.org/presentationml/2006/main">
+  <p:cSld>
+    <p:spTree>
+      <p:nvGrpSpPr>
+        <p:cNvPr id="1" name=""/>
+        <p:cNvGrpSpPr/>
+        <p:nvPr/>
+      </p:nvGrpSpPr>
+      <p:grpSpPr>
+        <a:xfrm>
+          <a:off x="0" y="0"/>
+          <a:ext cx="0" cy="0"/>
+          <a:chOff x="0" y="0"/>
+          <a:chExt cx="0" cy="0"/>
+        </a:xfrm>
+      </p:grpSpPr>
+      <p:sp>
+        <p:nvSpPr>
+          <p:cNvPr id="4" name="직사각형 3">
+            <a:extLst>
+              <a:ext uri="{FF2B5EF4-FFF2-40B4-BE49-F238E27FC236}">
+                <a16:creationId xmlns:a16="http://schemas.microsoft.com/office/drawing/2014/main" id="{FE483315-6421-4AF3-B26D-D5BA89E6CA0C}"/>
+              </a:ext>
+            </a:extLst>
+          </p:cNvPr>
+          <p:cNvSpPr/>
+          <p:nvPr/>
+        </p:nvSpPr>
+        <p:spPr>
+          <a:xfrm>
+            <a:off x="0" y="1088207"/>
+            <a:ext cx="12192000" cy="800103"/>
+          </a:xfrm>
+          <a:prstGeom prst="rect">
+            <a:avLst/>
+          </a:prstGeom>
+          <a:solidFill>
+            <a:srgbClr val="F9A001"/>
+          </a:solidFill>
+          <a:ln>
+            <a:noFill/>
+          </a:ln>
+        </p:spPr>
+        <p:style>
+          <a:lnRef idx="2">
+            <a:schemeClr val="accent1">
+              <a:shade val="50000"/>
+            </a:schemeClr>
+          </a:lnRef>
+          <a:fillRef idx="1">
+            <a:schemeClr val="accent1"/>
+          </a:fillRef>
+          <a:effectRef idx="0">
+            <a:schemeClr val="accent1"/>
+          </a:effectRef>
+          <a:fontRef idx="minor">
+            <a:schemeClr val="lt1"/>
+          </a:fontRef>
+        </p:style>
+        <p:txBody>
+          <a:bodyPr rtlCol="0" anchor="ctr"/>
+          <a:lstStyle/>
+          <a:p>
+            <a:pPr algn="ctr"/>
+            <a:endParaRPr lang="ko-KR" altLang="en-US" dirty="0"/>
+          </a:p>
+        </p:txBody>
+      </p:sp>
+      <p:sp>
+        <p:nvSpPr>
+          <p:cNvPr id="9" name="TextBox 8">
+            <a:extLst>
+              <a:ext uri="{FF2B5EF4-FFF2-40B4-BE49-F238E27FC236}">
+                <a16:creationId xmlns:a16="http://schemas.microsoft.com/office/drawing/2014/main" id="{CED07928-F43B-41D3-91E2-9FA98C5E1688}"/>
+              </a:ext>
+            </a:extLst>
+          </p:cNvPr>
+          <p:cNvSpPr txBox="1"/>
+          <p:nvPr/>
+        </p:nvSpPr>
+        <p:spPr>
+          <a:xfrm>
+            <a:off x="776787" y="109030"/>
+            <a:ext cx="428322" cy="307777"/>
+          </a:xfrm>
+          <a:prstGeom prst="rect">
+            <a:avLst/>
+          </a:prstGeom>
+          <a:noFill/>
+        </p:spPr>
+        <p:txBody>
+          <a:bodyPr wrap="none" rtlCol="0">
+            <a:spAutoFit/>
+          </a:bodyPr>
+          <a:lstStyle/>
+          <a:p>
+            <a:pPr algn="ctr"/>
+            <a:r>
+              <a:rPr lang="en-US" altLang="ko-KR" sz="1400" spc="-150" dirty="0">
+                <a:ln>
+                  <a:solidFill>
+                    <a:schemeClr val="accent1">
+                      <a:alpha val="0"/>
+                    </a:schemeClr>
+                  </a:solidFill>
+                </a:ln>
+                <a:solidFill>
+                  <a:schemeClr val="accent1"/>
+                </a:solidFill>
+                <a:latin typeface="Noto Sans CJK KR Bold" panose="020B0800000000000000" pitchFamily="34" charset="-127"/>
+                <a:ea typeface="Noto Sans CJK KR Bold" panose="020B0800000000000000" pitchFamily="34" charset="-127"/>
+              </a:rPr>
+              <a:t>GUI</a:t>
+            </a:r>
+          </a:p>
+        </p:txBody>
+      </p:sp>
+      <p:sp>
+        <p:nvSpPr>
+          <p:cNvPr id="10" name="TextBox 9">
+            <a:extLst>
+              <a:ext uri="{FF2B5EF4-FFF2-40B4-BE49-F238E27FC236}">
+                <a16:creationId xmlns:a16="http://schemas.microsoft.com/office/drawing/2014/main" id="{48698CC2-BC68-4E65-9095-9B971AE42A7B}"/>
+              </a:ext>
+            </a:extLst>
+          </p:cNvPr>
+          <p:cNvSpPr txBox="1"/>
+          <p:nvPr/>
+        </p:nvSpPr>
+        <p:spPr>
+          <a:xfrm>
+            <a:off x="185203" y="1195870"/>
+            <a:ext cx="4118435" cy="584775"/>
+          </a:xfrm>
+          <a:prstGeom prst="rect">
+            <a:avLst/>
+          </a:prstGeom>
+          <a:noFill/>
+        </p:spPr>
+        <p:txBody>
+          <a:bodyPr wrap="none" rtlCol="0">
+            <a:spAutoFit/>
+          </a:bodyPr>
+          <a:lstStyle/>
+          <a:p>
+            <a:r>
+              <a:rPr lang="en-US" altLang="ko-KR" sz="3200" spc="-150" dirty="0">
+                <a:solidFill>
+                  <a:schemeClr val="bg2">
+                    <a:lumMod val="25000"/>
+                  </a:schemeClr>
+                </a:solidFill>
+                <a:latin typeface="고도 B" panose="02000503000000020004" pitchFamily="2" charset="-127"/>
+                <a:ea typeface="고도 B" panose="02000503000000020004" pitchFamily="2" charset="-127"/>
+              </a:rPr>
+              <a:t>GUI – </a:t>
+            </a:r>
+            <a:r>
+              <a:rPr lang="ko-KR" altLang="en-US" sz="3200" spc="-150" dirty="0">
+                <a:solidFill>
+                  <a:schemeClr val="bg2">
+                    <a:lumMod val="25000"/>
+                  </a:schemeClr>
+                </a:solidFill>
+                <a:latin typeface="고도 B" panose="02000503000000020004" pitchFamily="2" charset="-127"/>
+                <a:ea typeface="고도 B" panose="02000503000000020004" pitchFamily="2" charset="-127"/>
+              </a:rPr>
+              <a:t>캐릭터 인벤토리</a:t>
+            </a:r>
+          </a:p>
+        </p:txBody>
+      </p:sp>
+      <p:sp>
+        <p:nvSpPr>
+          <p:cNvPr id="7" name="TextBox 6">
+            <a:extLst>
+              <a:ext uri="{FF2B5EF4-FFF2-40B4-BE49-F238E27FC236}">
+                <a16:creationId xmlns:a16="http://schemas.microsoft.com/office/drawing/2014/main" id="{A5F46E98-F701-49B9-93CD-BA7A25B54242}"/>
+              </a:ext>
+            </a:extLst>
+          </p:cNvPr>
+          <p:cNvSpPr txBox="1"/>
+          <p:nvPr/>
+        </p:nvSpPr>
+        <p:spPr>
+          <a:xfrm>
+            <a:off x="69542" y="109030"/>
+            <a:ext cx="707245" cy="307777"/>
+          </a:xfrm>
+          <a:prstGeom prst="rect">
+            <a:avLst/>
+          </a:prstGeom>
+          <a:solidFill>
+            <a:schemeClr val="accent1"/>
+          </a:solidFill>
+        </p:spPr>
+        <p:txBody>
+          <a:bodyPr wrap="none" rtlCol="0">
+            <a:spAutoFit/>
+          </a:bodyPr>
+          <a:lstStyle/>
+          <a:p>
+            <a:pPr algn="ctr"/>
+            <a:r>
+              <a:rPr lang="en-US" altLang="ko-KR" sz="1400" spc="-150" dirty="0">
+                <a:ln>
+                  <a:solidFill>
+                    <a:schemeClr val="accent1">
+                      <a:alpha val="0"/>
+                    </a:schemeClr>
+                  </a:solidFill>
+                </a:ln>
+                <a:solidFill>
+                  <a:schemeClr val="bg1"/>
+                </a:solidFill>
+                <a:latin typeface="Noto Sans CJK KR Bold" panose="020B0800000000000000" pitchFamily="34" charset="-127"/>
+                <a:ea typeface="Noto Sans CJK KR Bold" panose="020B0800000000000000" pitchFamily="34" charset="-127"/>
+              </a:rPr>
+              <a:t>*</a:t>
+            </a:r>
+            <a:r>
+              <a:rPr lang="ko-KR" altLang="en-US" sz="1400" spc="-150" dirty="0">
+                <a:ln>
+                  <a:solidFill>
+                    <a:schemeClr val="accent1">
+                      <a:alpha val="0"/>
+                    </a:schemeClr>
+                  </a:solidFill>
+                </a:ln>
+                <a:solidFill>
+                  <a:schemeClr val="bg1"/>
+                </a:solidFill>
+                <a:latin typeface="Noto Sans CJK KR Bold" panose="020B0800000000000000" pitchFamily="34" charset="-127"/>
+                <a:ea typeface="Noto Sans CJK KR Bold" panose="020B0800000000000000" pitchFamily="34" charset="-127"/>
+              </a:rPr>
+              <a:t> </a:t>
+            </a:r>
+            <a:r>
+              <a:rPr lang="ko-KR" altLang="en-US" sz="1400" spc="-150" dirty="0" err="1">
+                <a:ln>
+                  <a:solidFill>
+                    <a:schemeClr val="accent1">
+                      <a:alpha val="0"/>
+                    </a:schemeClr>
+                  </a:solidFill>
+                </a:ln>
+                <a:solidFill>
+                  <a:schemeClr val="bg1"/>
+                </a:solidFill>
+                <a:latin typeface="Noto Sans CJK KR Bold" panose="020B0800000000000000" pitchFamily="34" charset="-127"/>
+                <a:ea typeface="Noto Sans CJK KR Bold" panose="020B0800000000000000" pitchFamily="34" charset="-127"/>
+              </a:rPr>
+              <a:t>쁠쁠</a:t>
+            </a:r>
+            <a:r>
+              <a:rPr lang="ko-KR" altLang="en-US" sz="1400" spc="-150" dirty="0">
+                <a:ln>
+                  <a:solidFill>
+                    <a:schemeClr val="accent1">
+                      <a:alpha val="0"/>
+                    </a:schemeClr>
+                  </a:solidFill>
+                </a:ln>
+                <a:solidFill>
+                  <a:schemeClr val="bg1"/>
+                </a:solidFill>
+                <a:latin typeface="Noto Sans CJK KR Bold" panose="020B0800000000000000" pitchFamily="34" charset="-127"/>
+                <a:ea typeface="Noto Sans CJK KR Bold" panose="020B0800000000000000" pitchFamily="34" charset="-127"/>
+              </a:rPr>
+              <a:t> </a:t>
+            </a:r>
+            <a:r>
+              <a:rPr lang="en-US" altLang="ko-KR" sz="1400" spc="-150" dirty="0">
+                <a:ln>
+                  <a:solidFill>
+                    <a:schemeClr val="accent1">
+                      <a:alpha val="0"/>
+                    </a:schemeClr>
+                  </a:solidFill>
+                </a:ln>
+                <a:solidFill>
+                  <a:schemeClr val="bg1"/>
+                </a:solidFill>
+                <a:latin typeface="Noto Sans CJK KR Bold" panose="020B0800000000000000" pitchFamily="34" charset="-127"/>
+                <a:ea typeface="Noto Sans CJK KR Bold" panose="020B0800000000000000" pitchFamily="34" charset="-127"/>
+              </a:rPr>
+              <a:t>*</a:t>
+            </a:r>
+            <a:endParaRPr lang="ko-KR" altLang="en-US" sz="1400" spc="-150" dirty="0">
+              <a:ln>
+                <a:solidFill>
+                  <a:schemeClr val="accent1">
+                    <a:alpha val="0"/>
+                  </a:schemeClr>
+                </a:solidFill>
+              </a:ln>
+              <a:solidFill>
+                <a:schemeClr val="bg1"/>
+              </a:solidFill>
+              <a:latin typeface="Noto Sans CJK KR Bold" panose="020B0800000000000000" pitchFamily="34" charset="-127"/>
+              <a:ea typeface="Noto Sans CJK KR Bold" panose="020B0800000000000000" pitchFamily="34" charset="-127"/>
+            </a:endParaRPr>
+          </a:p>
+        </p:txBody>
+      </p:sp>
+      <p:cxnSp>
+        <p:nvCxnSpPr>
+          <p:cNvPr id="11" name="직선 연결선 10">
+            <a:extLst>
+              <a:ext uri="{FF2B5EF4-FFF2-40B4-BE49-F238E27FC236}">
+                <a16:creationId xmlns:a16="http://schemas.microsoft.com/office/drawing/2014/main" id="{521B3F88-14F1-43EA-8BEC-B10A6ED176A7}"/>
+              </a:ext>
+            </a:extLst>
+          </p:cNvPr>
+          <p:cNvCxnSpPr>
+            <a:cxnSpLocks/>
+          </p:cNvCxnSpPr>
+          <p:nvPr/>
+        </p:nvCxnSpPr>
+        <p:spPr>
+          <a:xfrm>
+            <a:off x="6315793" y="2162543"/>
+            <a:ext cx="33786" cy="4241846"/>
+          </a:xfrm>
+          <a:prstGeom prst="line">
+            <a:avLst/>
+          </a:prstGeom>
+          <a:ln w="22225">
+            <a:solidFill>
+              <a:srgbClr val="F9A001"/>
+            </a:solidFill>
+            <a:prstDash val="sysDash"/>
+          </a:ln>
+        </p:spPr>
+        <p:style>
+          <a:lnRef idx="1">
+            <a:schemeClr val="accent1"/>
+          </a:lnRef>
+          <a:fillRef idx="0">
+            <a:schemeClr val="accent1"/>
+          </a:fillRef>
+          <a:effectRef idx="0">
+            <a:schemeClr val="accent1"/>
+          </a:effectRef>
+          <a:fontRef idx="minor">
+            <a:schemeClr val="tx1"/>
+          </a:fontRef>
+        </p:style>
+      </p:cxnSp>
+      <p:pic>
+        <p:nvPicPr>
+          <p:cNvPr id="3" name="그림 2">
+            <a:extLst>
+              <a:ext uri="{FF2B5EF4-FFF2-40B4-BE49-F238E27FC236}">
+                <a16:creationId xmlns:a16="http://schemas.microsoft.com/office/drawing/2014/main" id="{4A9CC42F-D9BC-45E2-9EA7-833A32FD9668}"/>
+              </a:ext>
+            </a:extLst>
+          </p:cNvPr>
+          <p:cNvPicPr>
+            <a:picLocks noChangeAspect="1"/>
+          </p:cNvPicPr>
+          <p:nvPr/>
+        </p:nvPicPr>
+        <p:blipFill>
+          <a:blip r:embed="rId2">
+            <a:extLst>
+              <a:ext uri="{28A0092B-C50C-407E-A947-70E740481C1C}">
+                <a14:useLocalDpi xmlns:a14="http://schemas.microsoft.com/office/drawing/2010/main" val="0"/>
+              </a:ext>
+            </a:extLst>
+          </a:blip>
+          <a:srcRect/>
+          <a:stretch/>
+        </p:blipFill>
+        <p:spPr>
+          <a:xfrm>
+            <a:off x="235721" y="2382865"/>
+            <a:ext cx="5899317" cy="3696345"/>
+          </a:xfrm>
+          <a:prstGeom prst="rect">
+            <a:avLst/>
+          </a:prstGeom>
+        </p:spPr>
+      </p:pic>
+      <p:sp>
+        <p:nvSpPr>
+          <p:cNvPr id="12" name="TextBox 11">
+            <a:extLst>
+              <a:ext uri="{FF2B5EF4-FFF2-40B4-BE49-F238E27FC236}">
+                <a16:creationId xmlns:a16="http://schemas.microsoft.com/office/drawing/2014/main" id="{84B16F2B-89CC-454D-8972-AD8CD0ED7E68}"/>
+              </a:ext>
+            </a:extLst>
+          </p:cNvPr>
+          <p:cNvSpPr txBox="1"/>
+          <p:nvPr/>
+        </p:nvSpPr>
+        <p:spPr>
+          <a:xfrm>
+            <a:off x="6638387" y="2559710"/>
+            <a:ext cx="5275183" cy="2862322"/>
+          </a:xfrm>
+          <a:prstGeom prst="rect">
+            <a:avLst/>
+          </a:prstGeom>
+          <a:noFill/>
+        </p:spPr>
+        <p:txBody>
+          <a:bodyPr wrap="square" rtlCol="0">
+            <a:spAutoFit/>
+          </a:bodyPr>
+          <a:lstStyle/>
+          <a:p>
+            <a:r>
+              <a:rPr lang="ko-KR" altLang="en-US" sz="2000" dirty="0"/>
+              <a:t>캐릭터 인벤토리 화면 </a:t>
+            </a:r>
+            <a:r>
+              <a:rPr lang="en-US" altLang="ko-KR" sz="2000" dirty="0"/>
+              <a:t>(</a:t>
+            </a:r>
+            <a:r>
+              <a:rPr lang="ko-KR" altLang="en-US" sz="2000" dirty="0"/>
+              <a:t>수정 중</a:t>
+            </a:r>
+            <a:r>
+              <a:rPr lang="en-US" altLang="ko-KR" sz="2000" dirty="0"/>
+              <a:t>)</a:t>
+            </a:r>
+          </a:p>
+          <a:p>
+            <a:endParaRPr lang="en-US" altLang="ko-KR" sz="2000" dirty="0"/>
+          </a:p>
+          <a:p>
+            <a:pPr marL="342900" indent="-342900" algn="just">
+              <a:buFontTx/>
+              <a:buChar char="-"/>
+            </a:pPr>
+            <a:r>
+              <a:rPr lang="ko-KR" altLang="en-US" sz="2000" dirty="0"/>
+              <a:t>게임 실행 중 인벤토리 키를 누르면 </a:t>
+            </a:r>
+            <a:r>
+              <a:rPr lang="ko-KR" altLang="en-US" sz="2000" dirty="0" err="1"/>
+              <a:t>켜짐</a:t>
+            </a:r>
+            <a:endParaRPr lang="en-US" altLang="ko-KR" sz="2000" dirty="0"/>
+          </a:p>
+          <a:p>
+            <a:pPr marL="342900" indent="-342900" algn="just">
+              <a:buFontTx/>
+              <a:buChar char="-"/>
+            </a:pPr>
+            <a:endParaRPr lang="en-US" altLang="ko-KR" sz="2000" dirty="0"/>
+          </a:p>
+          <a:p>
+            <a:pPr marL="342900" indent="-342900" algn="just">
+              <a:buFontTx/>
+              <a:buChar char="-"/>
+            </a:pPr>
+            <a:r>
+              <a:rPr lang="en-US" altLang="ko-KR" sz="2000" dirty="0"/>
+              <a:t>9</a:t>
+            </a:r>
+            <a:r>
+              <a:rPr lang="ko-KR" altLang="en-US" sz="2000" dirty="0"/>
+              <a:t>개의 진한 갈색 칸은 아이템 단축키로 활용됨</a:t>
+            </a:r>
+            <a:endParaRPr lang="en-US" altLang="ko-KR" sz="2000" dirty="0"/>
+          </a:p>
+          <a:p>
+            <a:endParaRPr lang="en-US" altLang="ko-KR" sz="2000" dirty="0"/>
+          </a:p>
+          <a:p>
+            <a:pPr marL="342900" indent="-342900">
+              <a:buFontTx/>
+              <a:buChar char="-"/>
+            </a:pPr>
+            <a:r>
+              <a:rPr lang="ko-KR" altLang="en-US" sz="2000" dirty="0"/>
+              <a:t>밑에 </a:t>
+            </a:r>
+            <a:r>
+              <a:rPr lang="en-US" altLang="ko-KR" sz="2000" dirty="0"/>
+              <a:t>36</a:t>
+            </a:r>
+            <a:r>
+              <a:rPr lang="ko-KR" altLang="en-US" sz="2000" dirty="0"/>
+              <a:t>칸의 옅은 색 칸들은 플레이어가 가지고 있는 아이템이 모두 나와 있는 창</a:t>
+            </a:r>
+            <a:endParaRPr lang="en-US" altLang="ko-KR" sz="2000" dirty="0"/>
+          </a:p>
+        </p:txBody>
+      </p:sp>
+    </p:spTree>
+    <p:extLst>
+      <p:ext uri="{BB962C8B-B14F-4D97-AF65-F5344CB8AC3E}">
+        <p14:creationId xmlns:p14="http://schemas.microsoft.com/office/powerpoint/2010/main" val="2400205504"/>
+      </p:ext>
+    </p:extLst>
+  </p:cSld>
+  <p:clrMapOvr>
+    <a:masterClrMapping/>
+  </p:clrMapOvr>
+</p:sld>
+</file>
+
+<file path=ppt/slides/slide14.xml><?xml version="1.0" encoding="utf-8"?>
+<p:sld xmlns:a="http://schemas.openxmlformats.org/drawingml/2006/main" xmlns:r="http://schemas.openxmlformats.org/officeDocument/2006/relationships" xmlns:p="http://schemas.openxmlformats.org/presentationml/2006/main">
+  <p:cSld>
+    <p:spTree>
+      <p:nvGrpSpPr>
+        <p:cNvPr id="1" name=""/>
+        <p:cNvGrpSpPr/>
+        <p:nvPr/>
+      </p:nvGrpSpPr>
+      <p:grpSpPr>
+        <a:xfrm>
+          <a:off x="0" y="0"/>
+          <a:ext cx="0" cy="0"/>
+          <a:chOff x="0" y="0"/>
+          <a:chExt cx="0" cy="0"/>
+        </a:xfrm>
+      </p:grpSpPr>
+      <p:sp>
+        <p:nvSpPr>
+          <p:cNvPr id="4" name="직사각형 3">
+            <a:extLst>
+              <a:ext uri="{FF2B5EF4-FFF2-40B4-BE49-F238E27FC236}">
+                <a16:creationId xmlns:a16="http://schemas.microsoft.com/office/drawing/2014/main" id="{FE483315-6421-4AF3-B26D-D5BA89E6CA0C}"/>
+              </a:ext>
+            </a:extLst>
+          </p:cNvPr>
+          <p:cNvSpPr/>
+          <p:nvPr/>
+        </p:nvSpPr>
+        <p:spPr>
+          <a:xfrm>
+            <a:off x="0" y="1088207"/>
+            <a:ext cx="12192000" cy="800103"/>
+          </a:xfrm>
+          <a:prstGeom prst="rect">
+            <a:avLst/>
+          </a:prstGeom>
+          <a:solidFill>
+            <a:srgbClr val="F9A001"/>
+          </a:solidFill>
+          <a:ln>
+            <a:noFill/>
+          </a:ln>
+        </p:spPr>
+        <p:style>
+          <a:lnRef idx="2">
+            <a:schemeClr val="accent1">
+              <a:shade val="50000"/>
+            </a:schemeClr>
+          </a:lnRef>
+          <a:fillRef idx="1">
+            <a:schemeClr val="accent1"/>
+          </a:fillRef>
+          <a:effectRef idx="0">
+            <a:schemeClr val="accent1"/>
+          </a:effectRef>
+          <a:fontRef idx="minor">
+            <a:schemeClr val="lt1"/>
+          </a:fontRef>
+        </p:style>
+        <p:txBody>
+          <a:bodyPr rtlCol="0" anchor="ctr"/>
+          <a:lstStyle/>
+          <a:p>
+            <a:pPr algn="ctr"/>
+            <a:endParaRPr lang="ko-KR" altLang="en-US" dirty="0"/>
+          </a:p>
+        </p:txBody>
+      </p:sp>
+      <p:sp>
+        <p:nvSpPr>
+          <p:cNvPr id="9" name="TextBox 8">
+            <a:extLst>
+              <a:ext uri="{FF2B5EF4-FFF2-40B4-BE49-F238E27FC236}">
+                <a16:creationId xmlns:a16="http://schemas.microsoft.com/office/drawing/2014/main" id="{CED07928-F43B-41D3-91E2-9FA98C5E1688}"/>
+              </a:ext>
+            </a:extLst>
+          </p:cNvPr>
+          <p:cNvSpPr txBox="1"/>
+          <p:nvPr/>
+        </p:nvSpPr>
+        <p:spPr>
+          <a:xfrm>
+            <a:off x="776787" y="109030"/>
+            <a:ext cx="428322" cy="307777"/>
+          </a:xfrm>
+          <a:prstGeom prst="rect">
+            <a:avLst/>
+          </a:prstGeom>
+          <a:noFill/>
+        </p:spPr>
+        <p:txBody>
+          <a:bodyPr wrap="none" rtlCol="0">
+            <a:spAutoFit/>
+          </a:bodyPr>
+          <a:lstStyle/>
+          <a:p>
+            <a:pPr algn="ctr"/>
+            <a:r>
+              <a:rPr lang="en-US" altLang="ko-KR" sz="1400" spc="-150" dirty="0">
+                <a:ln>
+                  <a:solidFill>
+                    <a:schemeClr val="accent1">
+                      <a:alpha val="0"/>
+                    </a:schemeClr>
+                  </a:solidFill>
+                </a:ln>
+                <a:solidFill>
+                  <a:schemeClr val="accent1"/>
+                </a:solidFill>
+                <a:latin typeface="Noto Sans CJK KR Bold" panose="020B0800000000000000" pitchFamily="34" charset="-127"/>
+                <a:ea typeface="Noto Sans CJK KR Bold" panose="020B0800000000000000" pitchFamily="34" charset="-127"/>
+              </a:rPr>
+              <a:t>GUI</a:t>
+            </a:r>
+          </a:p>
+        </p:txBody>
+      </p:sp>
+      <p:sp>
+        <p:nvSpPr>
+          <p:cNvPr id="10" name="TextBox 9">
+            <a:extLst>
+              <a:ext uri="{FF2B5EF4-FFF2-40B4-BE49-F238E27FC236}">
+                <a16:creationId xmlns:a16="http://schemas.microsoft.com/office/drawing/2014/main" id="{48698CC2-BC68-4E65-9095-9B971AE42A7B}"/>
+              </a:ext>
+            </a:extLst>
+          </p:cNvPr>
+          <p:cNvSpPr txBox="1"/>
+          <p:nvPr/>
+        </p:nvSpPr>
+        <p:spPr>
+          <a:xfrm>
+            <a:off x="185203" y="1195870"/>
+            <a:ext cx="4118435" cy="584775"/>
+          </a:xfrm>
+          <a:prstGeom prst="rect">
+            <a:avLst/>
+          </a:prstGeom>
+          <a:noFill/>
+        </p:spPr>
+        <p:txBody>
+          <a:bodyPr wrap="none" rtlCol="0">
+            <a:spAutoFit/>
+          </a:bodyPr>
+          <a:lstStyle/>
+          <a:p>
+            <a:r>
+              <a:rPr lang="en-US" altLang="ko-KR" sz="3200" spc="-150" dirty="0">
+                <a:solidFill>
+                  <a:schemeClr val="bg2">
+                    <a:lumMod val="25000"/>
+                  </a:schemeClr>
+                </a:solidFill>
+                <a:latin typeface="고도 B" panose="02000503000000020004" pitchFamily="2" charset="-127"/>
+                <a:ea typeface="고도 B" panose="02000503000000020004" pitchFamily="2" charset="-127"/>
+              </a:rPr>
+              <a:t>GUI – </a:t>
+            </a:r>
+            <a:r>
+              <a:rPr lang="ko-KR" altLang="en-US" sz="3200" spc="-150" dirty="0">
+                <a:solidFill>
+                  <a:schemeClr val="bg2">
+                    <a:lumMod val="25000"/>
+                  </a:schemeClr>
+                </a:solidFill>
+                <a:latin typeface="고도 B" panose="02000503000000020004" pitchFamily="2" charset="-127"/>
+                <a:ea typeface="고도 B" panose="02000503000000020004" pitchFamily="2" charset="-127"/>
+              </a:rPr>
+              <a:t>캐릭터 인벤토리</a:t>
+            </a:r>
+          </a:p>
+        </p:txBody>
+      </p:sp>
+      <p:sp>
+        <p:nvSpPr>
+          <p:cNvPr id="7" name="TextBox 6">
+            <a:extLst>
+              <a:ext uri="{FF2B5EF4-FFF2-40B4-BE49-F238E27FC236}">
+                <a16:creationId xmlns:a16="http://schemas.microsoft.com/office/drawing/2014/main" id="{A5F46E98-F701-49B9-93CD-BA7A25B54242}"/>
+              </a:ext>
+            </a:extLst>
+          </p:cNvPr>
+          <p:cNvSpPr txBox="1"/>
+          <p:nvPr/>
+        </p:nvSpPr>
+        <p:spPr>
+          <a:xfrm>
+            <a:off x="69542" y="109030"/>
+            <a:ext cx="707245" cy="307777"/>
+          </a:xfrm>
+          <a:prstGeom prst="rect">
+            <a:avLst/>
+          </a:prstGeom>
+          <a:solidFill>
+            <a:schemeClr val="accent1"/>
+          </a:solidFill>
+        </p:spPr>
+        <p:txBody>
+          <a:bodyPr wrap="none" rtlCol="0">
+            <a:spAutoFit/>
+          </a:bodyPr>
+          <a:lstStyle/>
+          <a:p>
+            <a:pPr algn="ctr"/>
+            <a:r>
+              <a:rPr lang="en-US" altLang="ko-KR" sz="1400" spc="-150" dirty="0">
+                <a:ln>
+                  <a:solidFill>
+                    <a:schemeClr val="accent1">
+                      <a:alpha val="0"/>
+                    </a:schemeClr>
+                  </a:solidFill>
+                </a:ln>
+                <a:solidFill>
+                  <a:schemeClr val="bg1"/>
+                </a:solidFill>
+                <a:latin typeface="Noto Sans CJK KR Bold" panose="020B0800000000000000" pitchFamily="34" charset="-127"/>
+                <a:ea typeface="Noto Sans CJK KR Bold" panose="020B0800000000000000" pitchFamily="34" charset="-127"/>
+              </a:rPr>
+              <a:t>*</a:t>
+            </a:r>
+            <a:r>
+              <a:rPr lang="ko-KR" altLang="en-US" sz="1400" spc="-150" dirty="0">
+                <a:ln>
+                  <a:solidFill>
+                    <a:schemeClr val="accent1">
+                      <a:alpha val="0"/>
+                    </a:schemeClr>
+                  </a:solidFill>
+                </a:ln>
+                <a:solidFill>
+                  <a:schemeClr val="bg1"/>
+                </a:solidFill>
+                <a:latin typeface="Noto Sans CJK KR Bold" panose="020B0800000000000000" pitchFamily="34" charset="-127"/>
+                <a:ea typeface="Noto Sans CJK KR Bold" panose="020B0800000000000000" pitchFamily="34" charset="-127"/>
+              </a:rPr>
+              <a:t> </a:t>
+            </a:r>
+            <a:r>
+              <a:rPr lang="ko-KR" altLang="en-US" sz="1400" spc="-150" dirty="0" err="1">
+                <a:ln>
+                  <a:solidFill>
+                    <a:schemeClr val="accent1">
+                      <a:alpha val="0"/>
+                    </a:schemeClr>
+                  </a:solidFill>
+                </a:ln>
+                <a:solidFill>
+                  <a:schemeClr val="bg1"/>
+                </a:solidFill>
+                <a:latin typeface="Noto Sans CJK KR Bold" panose="020B0800000000000000" pitchFamily="34" charset="-127"/>
+                <a:ea typeface="Noto Sans CJK KR Bold" panose="020B0800000000000000" pitchFamily="34" charset="-127"/>
+              </a:rPr>
+              <a:t>쁠쁠</a:t>
+            </a:r>
+            <a:r>
+              <a:rPr lang="ko-KR" altLang="en-US" sz="1400" spc="-150" dirty="0">
+                <a:ln>
+                  <a:solidFill>
+                    <a:schemeClr val="accent1">
+                      <a:alpha val="0"/>
+                    </a:schemeClr>
+                  </a:solidFill>
+                </a:ln>
+                <a:solidFill>
+                  <a:schemeClr val="bg1"/>
+                </a:solidFill>
+                <a:latin typeface="Noto Sans CJK KR Bold" panose="020B0800000000000000" pitchFamily="34" charset="-127"/>
+                <a:ea typeface="Noto Sans CJK KR Bold" panose="020B0800000000000000" pitchFamily="34" charset="-127"/>
+              </a:rPr>
+              <a:t> </a:t>
+            </a:r>
+            <a:r>
+              <a:rPr lang="en-US" altLang="ko-KR" sz="1400" spc="-150" dirty="0">
+                <a:ln>
+                  <a:solidFill>
+                    <a:schemeClr val="accent1">
+                      <a:alpha val="0"/>
+                    </a:schemeClr>
+                  </a:solidFill>
+                </a:ln>
+                <a:solidFill>
+                  <a:schemeClr val="bg1"/>
+                </a:solidFill>
+                <a:latin typeface="Noto Sans CJK KR Bold" panose="020B0800000000000000" pitchFamily="34" charset="-127"/>
+                <a:ea typeface="Noto Sans CJK KR Bold" panose="020B0800000000000000" pitchFamily="34" charset="-127"/>
+              </a:rPr>
+              <a:t>*</a:t>
+            </a:r>
+            <a:endParaRPr lang="ko-KR" altLang="en-US" sz="1400" spc="-150" dirty="0">
+              <a:ln>
+                <a:solidFill>
+                  <a:schemeClr val="accent1">
+                    <a:alpha val="0"/>
+                  </a:schemeClr>
+                </a:solidFill>
+              </a:ln>
+              <a:solidFill>
+                <a:schemeClr val="bg1"/>
+              </a:solidFill>
+              <a:latin typeface="Noto Sans CJK KR Bold" panose="020B0800000000000000" pitchFamily="34" charset="-127"/>
+              <a:ea typeface="Noto Sans CJK KR Bold" panose="020B0800000000000000" pitchFamily="34" charset="-127"/>
+            </a:endParaRPr>
+          </a:p>
+        </p:txBody>
+      </p:sp>
+      <p:cxnSp>
+        <p:nvCxnSpPr>
+          <p:cNvPr id="11" name="직선 연결선 10">
+            <a:extLst>
+              <a:ext uri="{FF2B5EF4-FFF2-40B4-BE49-F238E27FC236}">
+                <a16:creationId xmlns:a16="http://schemas.microsoft.com/office/drawing/2014/main" id="{521B3F88-14F1-43EA-8BEC-B10A6ED176A7}"/>
+              </a:ext>
+            </a:extLst>
+          </p:cNvPr>
+          <p:cNvCxnSpPr>
+            <a:cxnSpLocks/>
+          </p:cNvCxnSpPr>
+          <p:nvPr/>
+        </p:nvCxnSpPr>
+        <p:spPr>
+          <a:xfrm>
+            <a:off x="6315793" y="2162543"/>
+            <a:ext cx="33786" cy="4241846"/>
+          </a:xfrm>
+          <a:prstGeom prst="line">
+            <a:avLst/>
+          </a:prstGeom>
+          <a:ln w="22225">
+            <a:solidFill>
+              <a:srgbClr val="F9A001"/>
+            </a:solidFill>
+            <a:prstDash val="sysDash"/>
+          </a:ln>
+        </p:spPr>
+        <p:style>
+          <a:lnRef idx="1">
+            <a:schemeClr val="accent1"/>
+          </a:lnRef>
+          <a:fillRef idx="0">
+            <a:schemeClr val="accent1"/>
+          </a:fillRef>
+          <a:effectRef idx="0">
+            <a:schemeClr val="accent1"/>
+          </a:effectRef>
+          <a:fontRef idx="minor">
+            <a:schemeClr val="tx1"/>
+          </a:fontRef>
+        </p:style>
+      </p:cxnSp>
+      <p:pic>
+        <p:nvPicPr>
+          <p:cNvPr id="3" name="그림 2">
+            <a:extLst>
+              <a:ext uri="{FF2B5EF4-FFF2-40B4-BE49-F238E27FC236}">
+                <a16:creationId xmlns:a16="http://schemas.microsoft.com/office/drawing/2014/main" id="{4A9CC42F-D9BC-45E2-9EA7-833A32FD9668}"/>
+              </a:ext>
+            </a:extLst>
+          </p:cNvPr>
+          <p:cNvPicPr>
+            <a:picLocks noChangeAspect="1"/>
+          </p:cNvPicPr>
+          <p:nvPr/>
+        </p:nvPicPr>
+        <p:blipFill>
+          <a:blip r:embed="rId2">
+            <a:extLst>
+              <a:ext uri="{28A0092B-C50C-407E-A947-70E740481C1C}">
+                <a14:useLocalDpi xmlns:a14="http://schemas.microsoft.com/office/drawing/2010/main" val="0"/>
+              </a:ext>
+            </a:extLst>
+          </a:blip>
+          <a:srcRect/>
+          <a:stretch/>
+        </p:blipFill>
+        <p:spPr>
+          <a:xfrm>
+            <a:off x="395463" y="2382865"/>
+            <a:ext cx="5579832" cy="3696345"/>
+          </a:xfrm>
+          <a:prstGeom prst="rect">
+            <a:avLst/>
+          </a:prstGeom>
+        </p:spPr>
+      </p:pic>
+      <p:sp>
+        <p:nvSpPr>
+          <p:cNvPr id="12" name="TextBox 11">
+            <a:extLst>
+              <a:ext uri="{FF2B5EF4-FFF2-40B4-BE49-F238E27FC236}">
+                <a16:creationId xmlns:a16="http://schemas.microsoft.com/office/drawing/2014/main" id="{84B16F2B-89CC-454D-8972-AD8CD0ED7E68}"/>
+              </a:ext>
+            </a:extLst>
+          </p:cNvPr>
+          <p:cNvSpPr txBox="1"/>
+          <p:nvPr/>
+        </p:nvSpPr>
+        <p:spPr>
+          <a:xfrm>
+            <a:off x="6638387" y="2559710"/>
+            <a:ext cx="5275183" cy="2246769"/>
+          </a:xfrm>
+          <a:prstGeom prst="rect">
+            <a:avLst/>
+          </a:prstGeom>
+          <a:noFill/>
+        </p:spPr>
+        <p:txBody>
+          <a:bodyPr wrap="square" rtlCol="0">
+            <a:spAutoFit/>
+          </a:bodyPr>
+          <a:lstStyle/>
+          <a:p>
+            <a:r>
+              <a:rPr lang="ko-KR" altLang="en-US" sz="2000" dirty="0"/>
+              <a:t>상점 </a:t>
+            </a:r>
+            <a:r>
+              <a:rPr lang="en-US" altLang="ko-KR" sz="2000" dirty="0"/>
+              <a:t>(</a:t>
+            </a:r>
+            <a:r>
+              <a:rPr lang="ko-KR" altLang="en-US" sz="2000" dirty="0"/>
+              <a:t>구현 예정</a:t>
+            </a:r>
+            <a:r>
+              <a:rPr lang="en-US" altLang="ko-KR" sz="2000" dirty="0"/>
+              <a:t>)</a:t>
+            </a:r>
+          </a:p>
+          <a:p>
+            <a:endParaRPr lang="en-US" altLang="ko-KR" sz="2000" dirty="0"/>
+          </a:p>
+          <a:p>
+            <a:pPr marL="342900" indent="-342900" algn="just">
+              <a:buFontTx/>
+              <a:buChar char="-"/>
+            </a:pPr>
+            <a:r>
+              <a:rPr lang="ko-KR" altLang="en-US" sz="2000" dirty="0"/>
+              <a:t>상점 내의 </a:t>
+            </a:r>
+            <a:r>
+              <a:rPr lang="en-US" altLang="ko-KR" sz="2000" dirty="0"/>
+              <a:t>NPC</a:t>
+            </a:r>
+            <a:r>
+              <a:rPr lang="ko-KR" altLang="en-US" sz="2000" dirty="0"/>
+              <a:t>에게 말을 걸면 사진처럼 목록이 뜨도록 함</a:t>
+            </a:r>
+            <a:endParaRPr lang="en-US" altLang="ko-KR" sz="2000" dirty="0"/>
+          </a:p>
+          <a:p>
+            <a:pPr marL="342900" indent="-342900" algn="just">
+              <a:buFontTx/>
+              <a:buChar char="-"/>
+            </a:pPr>
+            <a:endParaRPr lang="en-US" altLang="ko-KR" sz="2000" dirty="0"/>
+          </a:p>
+          <a:p>
+            <a:pPr marL="342900" indent="-342900" algn="just">
+              <a:buFontTx/>
+              <a:buChar char="-"/>
+            </a:pPr>
+            <a:r>
+              <a:rPr lang="ko-KR" altLang="en-US" sz="2000" dirty="0"/>
+              <a:t>상점 </a:t>
+            </a:r>
+            <a:r>
+              <a:rPr lang="en-US" altLang="ko-KR" sz="2000" dirty="0"/>
+              <a:t>GUI</a:t>
+            </a:r>
+            <a:r>
+              <a:rPr lang="ko-KR" altLang="en-US" sz="2000" dirty="0"/>
+              <a:t>는 앞서 콘솔로 실행한 코드의 원리를 적용해 구현할 예정 </a:t>
+            </a:r>
+            <a:endParaRPr lang="en-US" altLang="ko-KR" sz="2000" dirty="0"/>
+          </a:p>
+        </p:txBody>
+      </p:sp>
+    </p:spTree>
+    <p:extLst>
+      <p:ext uri="{BB962C8B-B14F-4D97-AF65-F5344CB8AC3E}">
+        <p14:creationId xmlns:p14="http://schemas.microsoft.com/office/powerpoint/2010/main" val="2463645945"/>
+      </p:ext>
+    </p:extLst>
+  </p:cSld>
+  <p:clrMapOvr>
+    <a:masterClrMapping/>
+  </p:clrMapOvr>
+</p:sld>
+</file>
+
+<file path=ppt/slides/slide15.xml><?xml version="1.0" encoding="utf-8"?>
 <p:sld xmlns:a="http://schemas.openxmlformats.org/drawingml/2006/main" xmlns:r="http://schemas.openxmlformats.org/officeDocument/2006/relationships" xmlns:p="http://schemas.openxmlformats.org/presentationml/2006/main">
   <p:cSld>
     <p:spTree>
@@ -6933,8 +8604,8 @@
         </p:nvSpPr>
         <p:spPr>
           <a:xfrm>
-            <a:off x="6939769" y="2613392"/>
-            <a:ext cx="4888089" cy="1631216"/>
+            <a:off x="6939770" y="2613392"/>
+            <a:ext cx="4312000" cy="1631216"/>
           </a:xfrm>
           <a:prstGeom prst="rect">
             <a:avLst/>
@@ -6952,11 +8623,11 @@
           <a:p>
             <a:r>
               <a:rPr lang="ko-KR" altLang="en-US" sz="2000" dirty="0"/>
-              <a:t>농사 클래스</a:t>
+              <a:t>클래스 구현</a:t>
             </a:r>
             <a:r>
               <a:rPr lang="en-US" altLang="ko-KR" sz="2000" dirty="0"/>
-              <a:t> : </a:t>
+              <a:t>: </a:t>
             </a:r>
             <a:r>
               <a:rPr lang="ko-KR" altLang="en-US" sz="2000" dirty="0" err="1"/>
@@ -6989,7 +8660,15 @@
           <a:p>
             <a:r>
               <a:rPr lang="en-US" altLang="ko-KR" sz="2000" dirty="0"/>
-              <a:t>GUI: </a:t>
+              <a:t>GUI </a:t>
+            </a:r>
+            <a:r>
+              <a:rPr lang="ko-KR" altLang="en-US" sz="2000" dirty="0"/>
+              <a:t>구현</a:t>
+            </a:r>
+            <a:r>
+              <a:rPr lang="en-US" altLang="ko-KR" sz="2000" dirty="0"/>
+              <a:t>: </a:t>
             </a:r>
             <a:r>
               <a:rPr lang="ko-KR" altLang="en-US" sz="2000" dirty="0" err="1"/>
@@ -7019,7 +8698,7 @@
 </p:sld>
 </file>
 
-<file path=ppt/slides/slide13.xml><?xml version="1.0" encoding="utf-8"?>
+<file path=ppt/slides/slide16.xml><?xml version="1.0" encoding="utf-8"?>
 <p:sld xmlns:a="http://schemas.openxmlformats.org/drawingml/2006/main" xmlns:r="http://schemas.openxmlformats.org/officeDocument/2006/relationships" xmlns:p="http://schemas.openxmlformats.org/presentationml/2006/main">
   <p:cSld>
     <p:spTree>
@@ -11956,15 +13635,7 @@
             </a:pPr>
             <a:r>
               <a:rPr lang="ko-KR" altLang="en-US" sz="2000" dirty="0"/>
-              <a:t>없을 경우 </a:t>
-            </a:r>
-            <a:r>
-              <a:rPr lang="ko-KR" altLang="en-US" sz="2000" dirty="0" err="1"/>
-              <a:t>인벤토리에에</a:t>
-            </a:r>
-            <a:r>
-              <a:rPr lang="ko-KR" altLang="en-US" sz="2000" dirty="0"/>
-              <a:t> 상품 등록</a:t>
+              <a:t>없을 경우 인벤토리에 상품 등록</a:t>
             </a:r>
             <a:endParaRPr lang="en-US" altLang="ko-KR" sz="2000" dirty="0"/>
           </a:p>
